--- a/수업 자료/프론트엔드 스터디 4주차.pptx
+++ b/수업 자료/프론트엔드 스터디 4주차.pptx
@@ -2461,7 +2461,7 @@
           <a:bodyPr/>
           <a:lstStyle/>
           <a:p>
-            <a:endParaRPr kumimoji="1" lang="ko-Kore-KR" altLang="en-US"/>
+            <a:endParaRPr kumimoji="1" lang="ko-Kore-KR" altLang="en-US" dirty="0"/>
           </a:p>
         </p:txBody>
       </p:sp>
@@ -8743,7 +8743,7 @@
         </p:blipFill>
         <p:spPr>
           <a:xfrm>
-            <a:off x="4062586" y="4043747"/>
+            <a:off x="4062586" y="4154061"/>
             <a:ext cx="3590599" cy="1667064"/>
           </a:xfrm>
           <a:prstGeom prst="rect">
@@ -18135,36 +18135,6 @@
           </a:p>
         </p:txBody>
       </p:sp>
-      <p:pic>
-        <p:nvPicPr>
-          <p:cNvPr id="3" name="그림 2">
-            <a:extLst>
-              <a:ext uri="{FF2B5EF4-FFF2-40B4-BE49-F238E27FC236}">
-                <a16:creationId xmlns:a16="http://schemas.microsoft.com/office/drawing/2014/main" id="{9EA6DCCA-2A34-B7F9-786E-CD5D5B9ACE0A}"/>
-              </a:ext>
-            </a:extLst>
-          </p:cNvPr>
-          <p:cNvPicPr>
-            <a:picLocks noChangeAspect="1"/>
-          </p:cNvPicPr>
-          <p:nvPr/>
-        </p:nvPicPr>
-        <p:blipFill>
-          <a:blip r:embed="rId3"/>
-          <a:stretch>
-            <a:fillRect/>
-          </a:stretch>
-        </p:blipFill>
-        <p:spPr>
-          <a:xfrm>
-            <a:off x="7885359" y="1278007"/>
-            <a:ext cx="3843379" cy="3863660"/>
-          </a:xfrm>
-          <a:prstGeom prst="rect">
-            <a:avLst/>
-          </a:prstGeom>
-        </p:spPr>
-      </p:pic>
     </p:spTree>
     <p:extLst>
       <p:ext uri="{BB962C8B-B14F-4D97-AF65-F5344CB8AC3E}">
@@ -21375,7 +21345,7 @@
         </p:nvSpPr>
         <p:spPr>
           <a:xfrm>
-            <a:off x="384717" y="1119482"/>
+            <a:off x="384717" y="1119481"/>
             <a:ext cx="10694763" cy="2262158"/>
           </a:xfrm>
           <a:prstGeom prst="rect">
